--- a/chapter 4.pptx
+++ b/chapter 4.pptx
@@ -275,7 +275,7 @@
           <a:p>
             <a:fld id="{B74C02C6-185E-4CF7-9277-A95E24C26A5A}" type="datetimeFigureOut">
               <a:rPr lang="ko-KR" altLang="en-US" smtClean="0"/>
-              <a:t>2018-04-02</a:t>
+              <a:t>2018-04-05</a:t>
             </a:fld>
             <a:endParaRPr lang="ko-KR" altLang="en-US"/>
           </a:p>
@@ -445,7 +445,7 @@
           <a:p>
             <a:fld id="{B74C02C6-185E-4CF7-9277-A95E24C26A5A}" type="datetimeFigureOut">
               <a:rPr lang="ko-KR" altLang="en-US" smtClean="0"/>
-              <a:t>2018-04-02</a:t>
+              <a:t>2018-04-05</a:t>
             </a:fld>
             <a:endParaRPr lang="ko-KR" altLang="en-US"/>
           </a:p>
@@ -625,7 +625,7 @@
           <a:p>
             <a:fld id="{B74C02C6-185E-4CF7-9277-A95E24C26A5A}" type="datetimeFigureOut">
               <a:rPr lang="ko-KR" altLang="en-US" smtClean="0"/>
-              <a:t>2018-04-02</a:t>
+              <a:t>2018-04-05</a:t>
             </a:fld>
             <a:endParaRPr lang="ko-KR" altLang="en-US"/>
           </a:p>
@@ -795,7 +795,7 @@
           <a:p>
             <a:fld id="{B74C02C6-185E-4CF7-9277-A95E24C26A5A}" type="datetimeFigureOut">
               <a:rPr lang="ko-KR" altLang="en-US" smtClean="0"/>
-              <a:t>2018-04-02</a:t>
+              <a:t>2018-04-05</a:t>
             </a:fld>
             <a:endParaRPr lang="ko-KR" altLang="en-US"/>
           </a:p>
@@ -1041,7 +1041,7 @@
           <a:p>
             <a:fld id="{B74C02C6-185E-4CF7-9277-A95E24C26A5A}" type="datetimeFigureOut">
               <a:rPr lang="ko-KR" altLang="en-US" smtClean="0"/>
-              <a:t>2018-04-02</a:t>
+              <a:t>2018-04-05</a:t>
             </a:fld>
             <a:endParaRPr lang="ko-KR" altLang="en-US"/>
           </a:p>
@@ -1273,7 +1273,7 @@
           <a:p>
             <a:fld id="{B74C02C6-185E-4CF7-9277-A95E24C26A5A}" type="datetimeFigureOut">
               <a:rPr lang="ko-KR" altLang="en-US" smtClean="0"/>
-              <a:t>2018-04-02</a:t>
+              <a:t>2018-04-05</a:t>
             </a:fld>
             <a:endParaRPr lang="ko-KR" altLang="en-US"/>
           </a:p>
@@ -1640,7 +1640,7 @@
           <a:p>
             <a:fld id="{B74C02C6-185E-4CF7-9277-A95E24C26A5A}" type="datetimeFigureOut">
               <a:rPr lang="ko-KR" altLang="en-US" smtClean="0"/>
-              <a:t>2018-04-02</a:t>
+              <a:t>2018-04-05</a:t>
             </a:fld>
             <a:endParaRPr lang="ko-KR" altLang="en-US"/>
           </a:p>
@@ -1758,7 +1758,7 @@
           <a:p>
             <a:fld id="{B74C02C6-185E-4CF7-9277-A95E24C26A5A}" type="datetimeFigureOut">
               <a:rPr lang="ko-KR" altLang="en-US" smtClean="0"/>
-              <a:t>2018-04-02</a:t>
+              <a:t>2018-04-05</a:t>
             </a:fld>
             <a:endParaRPr lang="ko-KR" altLang="en-US"/>
           </a:p>
@@ -1853,7 +1853,7 @@
           <a:p>
             <a:fld id="{B74C02C6-185E-4CF7-9277-A95E24C26A5A}" type="datetimeFigureOut">
               <a:rPr lang="ko-KR" altLang="en-US" smtClean="0"/>
-              <a:t>2018-04-02</a:t>
+              <a:t>2018-04-05</a:t>
             </a:fld>
             <a:endParaRPr lang="ko-KR" altLang="en-US"/>
           </a:p>
@@ -2130,7 +2130,7 @@
           <a:p>
             <a:fld id="{B74C02C6-185E-4CF7-9277-A95E24C26A5A}" type="datetimeFigureOut">
               <a:rPr lang="ko-KR" altLang="en-US" smtClean="0"/>
-              <a:t>2018-04-02</a:t>
+              <a:t>2018-04-05</a:t>
             </a:fld>
             <a:endParaRPr lang="ko-KR" altLang="en-US"/>
           </a:p>
@@ -2383,7 +2383,7 @@
           <a:p>
             <a:fld id="{B74C02C6-185E-4CF7-9277-A95E24C26A5A}" type="datetimeFigureOut">
               <a:rPr lang="ko-KR" altLang="en-US" smtClean="0"/>
-              <a:t>2018-04-02</a:t>
+              <a:t>2018-04-05</a:t>
             </a:fld>
             <a:endParaRPr lang="ko-KR" altLang="en-US"/>
           </a:p>
@@ -2596,7 +2596,7 @@
           <a:p>
             <a:fld id="{B74C02C6-185E-4CF7-9277-A95E24C26A5A}" type="datetimeFigureOut">
               <a:rPr lang="ko-KR" altLang="en-US" smtClean="0"/>
-              <a:t>2018-04-02</a:t>
+              <a:t>2018-04-05</a:t>
             </a:fld>
             <a:endParaRPr lang="ko-KR" altLang="en-US"/>
           </a:p>
@@ -10425,10 +10425,6 @@
               </a:rPr>
               <a:t>.</a:t>
             </a:r>
-            <a:endParaRPr lang="en-US" altLang="ko-KR" sz="2000" dirty="0" smtClean="0">
-              <a:latin typeface="HY수평선M" panose="02030600000101010101" pitchFamily="18" charset="-127"/>
-              <a:ea typeface="HY수평선M" panose="02030600000101010101" pitchFamily="18" charset="-127"/>
-            </a:endParaRPr>
           </a:p>
         </p:txBody>
       </p:sp>
@@ -17463,7 +17459,7 @@
                 <a:latin typeface="HY수평선M" panose="02030600000101010101" pitchFamily="18" charset="-127"/>
                 <a:ea typeface="HY수평선M" panose="02030600000101010101" pitchFamily="18" charset="-127"/>
               </a:rPr>
-              <a:t>(1) </a:t>
+              <a:t>(2) </a:t>
             </a:r>
             <a:r>
               <a:rPr lang="ko-KR" altLang="en-US" sz="2000" dirty="0" smtClean="0">
@@ -19779,7 +19775,7 @@
                 <a:latin typeface="HY수평선M" panose="02030600000101010101" pitchFamily="18" charset="-127"/>
                 <a:ea typeface="HY수평선M" panose="02030600000101010101" pitchFamily="18" charset="-127"/>
               </a:rPr>
-              <a:t>(1) </a:t>
+              <a:t>(3) </a:t>
             </a:r>
             <a:r>
               <a:rPr lang="ko-KR" altLang="en-US" sz="2000" dirty="0" err="1" smtClean="0">
@@ -19823,10 +19819,6 @@
               </a:rPr>
               <a:t>. </a:t>
             </a:r>
-            <a:endParaRPr lang="en-US" altLang="ko-KR" sz="2000" dirty="0" smtClean="0">
-              <a:latin typeface="HY수평선M" panose="02030600000101010101" pitchFamily="18" charset="-127"/>
-              <a:ea typeface="HY수평선M" panose="02030600000101010101" pitchFamily="18" charset="-127"/>
-            </a:endParaRPr>
           </a:p>
         </p:txBody>
       </p:sp>
@@ -20096,7 +20088,7 @@
                 <a:latin typeface="HY수평선M" panose="02030600000101010101" pitchFamily="18" charset="-127"/>
                 <a:ea typeface="HY수평선M" panose="02030600000101010101" pitchFamily="18" charset="-127"/>
               </a:rPr>
-              <a:t>(1) </a:t>
+              <a:t>(4) </a:t>
             </a:r>
             <a:r>
               <a:rPr lang="ko-KR" altLang="en-US" sz="2000" dirty="0" err="1" smtClean="0">
@@ -20154,10 +20146,6 @@
               </a:rPr>
               <a:t>. </a:t>
             </a:r>
-            <a:endParaRPr lang="en-US" altLang="ko-KR" sz="2000" dirty="0" smtClean="0">
-              <a:latin typeface="HY수평선M" panose="02030600000101010101" pitchFamily="18" charset="-127"/>
-              <a:ea typeface="HY수평선M" panose="02030600000101010101" pitchFamily="18" charset="-127"/>
-            </a:endParaRPr>
           </a:p>
         </p:txBody>
       </p:sp>
@@ -20556,10 +20544,6 @@
               </a:rPr>
               <a:t>. </a:t>
             </a:r>
-            <a:endParaRPr lang="en-US" altLang="ko-KR" sz="2000" dirty="0" smtClean="0">
-              <a:latin typeface="HY수평선M" panose="02030600000101010101" pitchFamily="18" charset="-127"/>
-              <a:ea typeface="HY수평선M" panose="02030600000101010101" pitchFamily="18" charset="-127"/>
-            </a:endParaRPr>
           </a:p>
         </p:txBody>
       </p:sp>

--- a/chapter 4.pptx
+++ b/chapter 4.pptx
@@ -275,7 +275,7 @@
           <a:p>
             <a:fld id="{B74C02C6-185E-4CF7-9277-A95E24C26A5A}" type="datetimeFigureOut">
               <a:rPr lang="ko-KR" altLang="en-US" smtClean="0"/>
-              <a:t>2018-04-05</a:t>
+              <a:t>2018-04-13</a:t>
             </a:fld>
             <a:endParaRPr lang="ko-KR" altLang="en-US"/>
           </a:p>
@@ -445,7 +445,7 @@
           <a:p>
             <a:fld id="{B74C02C6-185E-4CF7-9277-A95E24C26A5A}" type="datetimeFigureOut">
               <a:rPr lang="ko-KR" altLang="en-US" smtClean="0"/>
-              <a:t>2018-04-05</a:t>
+              <a:t>2018-04-13</a:t>
             </a:fld>
             <a:endParaRPr lang="ko-KR" altLang="en-US"/>
           </a:p>
@@ -625,7 +625,7 @@
           <a:p>
             <a:fld id="{B74C02C6-185E-4CF7-9277-A95E24C26A5A}" type="datetimeFigureOut">
               <a:rPr lang="ko-KR" altLang="en-US" smtClean="0"/>
-              <a:t>2018-04-05</a:t>
+              <a:t>2018-04-13</a:t>
             </a:fld>
             <a:endParaRPr lang="ko-KR" altLang="en-US"/>
           </a:p>
@@ -795,7 +795,7 @@
           <a:p>
             <a:fld id="{B74C02C6-185E-4CF7-9277-A95E24C26A5A}" type="datetimeFigureOut">
               <a:rPr lang="ko-KR" altLang="en-US" smtClean="0"/>
-              <a:t>2018-04-05</a:t>
+              <a:t>2018-04-13</a:t>
             </a:fld>
             <a:endParaRPr lang="ko-KR" altLang="en-US"/>
           </a:p>
@@ -1041,7 +1041,7 @@
           <a:p>
             <a:fld id="{B74C02C6-185E-4CF7-9277-A95E24C26A5A}" type="datetimeFigureOut">
               <a:rPr lang="ko-KR" altLang="en-US" smtClean="0"/>
-              <a:t>2018-04-05</a:t>
+              <a:t>2018-04-13</a:t>
             </a:fld>
             <a:endParaRPr lang="ko-KR" altLang="en-US"/>
           </a:p>
@@ -1273,7 +1273,7 @@
           <a:p>
             <a:fld id="{B74C02C6-185E-4CF7-9277-A95E24C26A5A}" type="datetimeFigureOut">
               <a:rPr lang="ko-KR" altLang="en-US" smtClean="0"/>
-              <a:t>2018-04-05</a:t>
+              <a:t>2018-04-13</a:t>
             </a:fld>
             <a:endParaRPr lang="ko-KR" altLang="en-US"/>
           </a:p>
@@ -1640,7 +1640,7 @@
           <a:p>
             <a:fld id="{B74C02C6-185E-4CF7-9277-A95E24C26A5A}" type="datetimeFigureOut">
               <a:rPr lang="ko-KR" altLang="en-US" smtClean="0"/>
-              <a:t>2018-04-05</a:t>
+              <a:t>2018-04-13</a:t>
             </a:fld>
             <a:endParaRPr lang="ko-KR" altLang="en-US"/>
           </a:p>
@@ -1758,7 +1758,7 @@
           <a:p>
             <a:fld id="{B74C02C6-185E-4CF7-9277-A95E24C26A5A}" type="datetimeFigureOut">
               <a:rPr lang="ko-KR" altLang="en-US" smtClean="0"/>
-              <a:t>2018-04-05</a:t>
+              <a:t>2018-04-13</a:t>
             </a:fld>
             <a:endParaRPr lang="ko-KR" altLang="en-US"/>
           </a:p>
@@ -1853,7 +1853,7 @@
           <a:p>
             <a:fld id="{B74C02C6-185E-4CF7-9277-A95E24C26A5A}" type="datetimeFigureOut">
               <a:rPr lang="ko-KR" altLang="en-US" smtClean="0"/>
-              <a:t>2018-04-05</a:t>
+              <a:t>2018-04-13</a:t>
             </a:fld>
             <a:endParaRPr lang="ko-KR" altLang="en-US"/>
           </a:p>
@@ -2130,7 +2130,7 @@
           <a:p>
             <a:fld id="{B74C02C6-185E-4CF7-9277-A95E24C26A5A}" type="datetimeFigureOut">
               <a:rPr lang="ko-KR" altLang="en-US" smtClean="0"/>
-              <a:t>2018-04-05</a:t>
+              <a:t>2018-04-13</a:t>
             </a:fld>
             <a:endParaRPr lang="ko-KR" altLang="en-US"/>
           </a:p>
@@ -2383,7 +2383,7 @@
           <a:p>
             <a:fld id="{B74C02C6-185E-4CF7-9277-A95E24C26A5A}" type="datetimeFigureOut">
               <a:rPr lang="ko-KR" altLang="en-US" smtClean="0"/>
-              <a:t>2018-04-05</a:t>
+              <a:t>2018-04-13</a:t>
             </a:fld>
             <a:endParaRPr lang="ko-KR" altLang="en-US"/>
           </a:p>
@@ -2596,7 +2596,7 @@
           <a:p>
             <a:fld id="{B74C02C6-185E-4CF7-9277-A95E24C26A5A}" type="datetimeFigureOut">
               <a:rPr lang="ko-KR" altLang="en-US" smtClean="0"/>
-              <a:t>2018-04-05</a:t>
+              <a:t>2018-04-13</a:t>
             </a:fld>
             <a:endParaRPr lang="ko-KR" altLang="en-US"/>
           </a:p>
@@ -10518,8 +10518,8 @@
         </p:nvSpPr>
         <p:spPr>
           <a:xfrm>
-            <a:off x="593125" y="1043030"/>
-            <a:ext cx="11442356" cy="4351338"/>
+            <a:off x="362606" y="1043030"/>
+            <a:ext cx="11829393" cy="4351338"/>
           </a:xfrm>
         </p:spPr>
         <p:txBody>
@@ -10561,7 +10561,14 @@
                 <a:latin typeface="HY울릉도M" panose="02030600000101010101" pitchFamily="18" charset="-127"/>
                 <a:ea typeface="HY울릉도M" panose="02030600000101010101" pitchFamily="18" charset="-127"/>
               </a:rPr>
-              <a:t> 만족하는 키 </a:t>
+              <a:t> 만족하는 </a:t>
+            </a:r>
+            <a:r>
+              <a:rPr lang="ko-KR" altLang="en-US" sz="2600" dirty="0" smtClean="0">
+                <a:latin typeface="HY울릉도M" panose="02030600000101010101" pitchFamily="18" charset="-127"/>
+                <a:ea typeface="HY울릉도M" panose="02030600000101010101" pitchFamily="18" charset="-127"/>
+              </a:rPr>
+              <a:t>속성 </a:t>
             </a:r>
             <a:r>
               <a:rPr lang="en-US" altLang="ko-KR" sz="2600" dirty="0" smtClean="0">
@@ -10584,7 +10591,11 @@
             <a:graphicFrameLocks noGrp="1"/>
           </p:cNvGraphicFramePr>
           <p:nvPr>
-            <p:extLst/>
+            <p:extLst>
+              <p:ext uri="{D42A27DB-BD31-4B8C-83A1-F6EECF244321}">
+                <p14:modId xmlns:p14="http://schemas.microsoft.com/office/powerpoint/2010/main" val="3517753954"/>
+              </p:ext>
+            </p:extLst>
           </p:nvPr>
         </p:nvGraphicFramePr>
         <p:xfrm>
@@ -10750,12 +10761,12 @@
                         </a:lnSpc>
                       </a:pPr>
                       <a:r>
-                        <a:rPr lang="en-US" altLang="ko-KR" sz="2000" dirty="0" smtClean="0">
+                        <a:rPr lang="en-US" altLang="ko-KR" sz="1800" dirty="0" smtClean="0">
                           <a:hlinkClick r:id="rId2"/>
                         </a:rPr>
                         <a:t>Hong@naver.com</a:t>
                       </a:r>
-                      <a:endParaRPr lang="ko-KR" altLang="en-US" sz="2000" dirty="0"/>
+                      <a:endParaRPr lang="ko-KR" altLang="en-US" sz="1800" dirty="0"/>
                     </a:p>
                   </a:txBody>
                   <a:tcPr anchor="ctr"/>
@@ -10849,12 +10860,12 @@
                         </a:lnSpc>
                       </a:pPr>
                       <a:r>
-                        <a:rPr lang="en-US" altLang="ko-KR" sz="2000" dirty="0" smtClean="0">
+                        <a:rPr lang="en-US" altLang="ko-KR" sz="1800" dirty="0" smtClean="0">
                           <a:hlinkClick r:id="rId3"/>
                         </a:rPr>
                         <a:t>lim90@hanmail.net</a:t>
                       </a:r>
-                      <a:endParaRPr lang="ko-KR" altLang="en-US" sz="2000" dirty="0"/>
+                      <a:endParaRPr lang="ko-KR" altLang="en-US" sz="1800" dirty="0"/>
                     </a:p>
                   </a:txBody>
                   <a:tcPr anchor="ctr"/>
@@ -10948,12 +10959,12 @@
                         </a:lnSpc>
                       </a:pPr>
                       <a:r>
-                        <a:rPr lang="en-US" altLang="ko-KR" sz="2000" dirty="0" smtClean="0">
+                        <a:rPr lang="en-US" altLang="ko-KR" sz="1800" dirty="0" smtClean="0">
                           <a:hlinkClick r:id="rId4"/>
                         </a:rPr>
                         <a:t>gogo22@naver.com</a:t>
                       </a:r>
-                      <a:endParaRPr lang="ko-KR" altLang="en-US" sz="2000" dirty="0"/>
+                      <a:endParaRPr lang="ko-KR" altLang="en-US" sz="1800" dirty="0"/>
                     </a:p>
                   </a:txBody>
                   <a:tcPr anchor="ctr"/>
@@ -11047,12 +11058,12 @@
                         </a:lnSpc>
                       </a:pPr>
                       <a:r>
-                        <a:rPr lang="en-US" altLang="ko-KR" sz="2000" dirty="0" smtClean="0">
+                        <a:rPr lang="en-US" altLang="ko-KR" sz="1800" dirty="0" smtClean="0">
                           <a:hlinkClick r:id="rId5"/>
                         </a:rPr>
                         <a:t>huhhuh@sen.go.kr</a:t>
                       </a:r>
-                      <a:endParaRPr lang="ko-KR" altLang="en-US" sz="2000" dirty="0"/>
+                      <a:endParaRPr lang="ko-KR" altLang="en-US" sz="1800" dirty="0"/>
                     </a:p>
                   </a:txBody>
                   <a:tcPr anchor="ctr"/>
@@ -11146,12 +11157,12 @@
                         </a:lnSpc>
                       </a:pPr>
                       <a:r>
-                        <a:rPr lang="en-US" altLang="ko-KR" sz="2000" dirty="0" smtClean="0">
+                        <a:rPr lang="en-US" altLang="ko-KR" sz="1800" dirty="0" smtClean="0">
                           <a:hlinkClick r:id="rId6"/>
                         </a:rPr>
                         <a:t>dragon55@gmail.com</a:t>
                       </a:r>
-                      <a:endParaRPr lang="ko-KR" altLang="en-US" sz="2000" dirty="0"/>
+                      <a:endParaRPr lang="ko-KR" altLang="en-US" sz="1800" dirty="0"/>
                     </a:p>
                   </a:txBody>
                   <a:tcPr anchor="ctr"/>
@@ -11309,7 +11320,7 @@
         <p:spPr>
           <a:xfrm>
             <a:off x="838200" y="1043030"/>
-            <a:ext cx="10752438" cy="4351338"/>
+            <a:ext cx="10946524" cy="4351338"/>
           </a:xfrm>
         </p:spPr>
         <p:txBody>
@@ -11365,7 +11376,14 @@
                 <a:latin typeface="HY울릉도M" panose="02030600000101010101" pitchFamily="18" charset="-127"/>
                 <a:ea typeface="HY울릉도M" panose="02030600000101010101" pitchFamily="18" charset="-127"/>
               </a:rPr>
-              <a:t>후보 키 중에서 선정되어 사용되는 키</a:t>
+              <a:t>후보 키 중에서 선정되어 사용되는 </a:t>
+            </a:r>
+            <a:r>
+              <a:rPr lang="ko-KR" altLang="en-US" sz="2600" dirty="0" smtClean="0">
+                <a:latin typeface="HY울릉도M" panose="02030600000101010101" pitchFamily="18" charset="-127"/>
+                <a:ea typeface="HY울릉도M" panose="02030600000101010101" pitchFamily="18" charset="-127"/>
+              </a:rPr>
+              <a:t>속성</a:t>
             </a:r>
             <a:endParaRPr lang="en-US" altLang="ko-KR" sz="2600" dirty="0" smtClean="0">
               <a:latin typeface="HY울릉도M" panose="02030600000101010101" pitchFamily="18" charset="-127"/>
@@ -11399,7 +11417,21 @@
                 <a:latin typeface="HY울릉도M" panose="02030600000101010101" pitchFamily="18" charset="-127"/>
                 <a:ea typeface="HY울릉도M" panose="02030600000101010101" pitchFamily="18" charset="-127"/>
               </a:rPr>
-              <a:t>  </a:t>
+              <a:t> </a:t>
+            </a:r>
+            <a:r>
+              <a:rPr lang="ko-KR" altLang="en-US" sz="2600" dirty="0" smtClean="0">
+                <a:latin typeface="HY울릉도M" panose="02030600000101010101" pitchFamily="18" charset="-127"/>
+                <a:ea typeface="HY울릉도M" panose="02030600000101010101" pitchFamily="18" charset="-127"/>
+              </a:rPr>
+              <a:t>속성</a:t>
+            </a:r>
+            <a:r>
+              <a:rPr lang="en-US" altLang="ko-KR" sz="2600" dirty="0" smtClean="0">
+                <a:latin typeface="HY울릉도M" panose="02030600000101010101" pitchFamily="18" charset="-127"/>
+                <a:ea typeface="HY울릉도M" panose="02030600000101010101" pitchFamily="18" charset="-127"/>
+              </a:rPr>
+              <a:t> </a:t>
             </a:r>
             <a:endParaRPr lang="ko-KR" altLang="en-US" sz="2600" dirty="0">
               <a:latin typeface="HY울릉도M" panose="02030600000101010101" pitchFamily="18" charset="-127"/>
@@ -11415,7 +11447,11 @@
             <a:graphicFrameLocks noGrp="1"/>
           </p:cNvGraphicFramePr>
           <p:nvPr>
-            <p:extLst/>
+            <p:extLst>
+              <p:ext uri="{D42A27DB-BD31-4B8C-83A1-F6EECF244321}">
+                <p14:modId xmlns:p14="http://schemas.microsoft.com/office/powerpoint/2010/main" val="2905796993"/>
+              </p:ext>
+            </p:extLst>
           </p:nvPr>
         </p:nvGraphicFramePr>
         <p:xfrm>
@@ -11581,12 +11617,12 @@
                         </a:lnSpc>
                       </a:pPr>
                       <a:r>
-                        <a:rPr lang="en-US" altLang="ko-KR" sz="2000" dirty="0" smtClean="0">
+                        <a:rPr lang="en-US" altLang="ko-KR" sz="1800" dirty="0" smtClean="0">
                           <a:hlinkClick r:id="rId2"/>
                         </a:rPr>
                         <a:t>Hong@naver.com</a:t>
                       </a:r>
-                      <a:endParaRPr lang="ko-KR" altLang="en-US" sz="2000" dirty="0"/>
+                      <a:endParaRPr lang="ko-KR" altLang="en-US" sz="1800" dirty="0"/>
                     </a:p>
                   </a:txBody>
                   <a:tcPr anchor="ctr"/>
@@ -11680,12 +11716,12 @@
                         </a:lnSpc>
                       </a:pPr>
                       <a:r>
-                        <a:rPr lang="en-US" altLang="ko-KR" sz="2000" dirty="0" smtClean="0">
+                        <a:rPr lang="en-US" altLang="ko-KR" sz="1800" dirty="0" smtClean="0">
                           <a:hlinkClick r:id="rId3"/>
                         </a:rPr>
                         <a:t>lim90@hanmail.net</a:t>
                       </a:r>
-                      <a:endParaRPr lang="ko-KR" altLang="en-US" sz="2000" dirty="0"/>
+                      <a:endParaRPr lang="ko-KR" altLang="en-US" sz="1800" dirty="0"/>
                     </a:p>
                   </a:txBody>
                   <a:tcPr anchor="ctr"/>
@@ -11779,12 +11815,12 @@
                         </a:lnSpc>
                       </a:pPr>
                       <a:r>
-                        <a:rPr lang="en-US" altLang="ko-KR" sz="2000" dirty="0" smtClean="0">
+                        <a:rPr lang="en-US" altLang="ko-KR" sz="1800" dirty="0" smtClean="0">
                           <a:hlinkClick r:id="rId4"/>
                         </a:rPr>
                         <a:t>gogo22@naver.com</a:t>
                       </a:r>
-                      <a:endParaRPr lang="ko-KR" altLang="en-US" sz="2000" dirty="0"/>
+                      <a:endParaRPr lang="ko-KR" altLang="en-US" sz="1800" dirty="0"/>
                     </a:p>
                   </a:txBody>
                   <a:tcPr anchor="ctr"/>
@@ -11878,12 +11914,12 @@
                         </a:lnSpc>
                       </a:pPr>
                       <a:r>
-                        <a:rPr lang="en-US" altLang="ko-KR" sz="2000" dirty="0" smtClean="0">
+                        <a:rPr lang="en-US" altLang="ko-KR" sz="1800" dirty="0" smtClean="0">
                           <a:hlinkClick r:id="rId5"/>
                         </a:rPr>
                         <a:t>huhhuh@sen.go.kr</a:t>
                       </a:r>
-                      <a:endParaRPr lang="ko-KR" altLang="en-US" sz="2000" dirty="0"/>
+                      <a:endParaRPr lang="ko-KR" altLang="en-US" sz="1800" dirty="0"/>
                     </a:p>
                   </a:txBody>
                   <a:tcPr anchor="ctr"/>
@@ -11977,12 +12013,12 @@
                         </a:lnSpc>
                       </a:pPr>
                       <a:r>
-                        <a:rPr lang="en-US" altLang="ko-KR" sz="2000" dirty="0" smtClean="0">
+                        <a:rPr lang="en-US" altLang="ko-KR" sz="1800" dirty="0" smtClean="0">
                           <a:hlinkClick r:id="rId6"/>
                         </a:rPr>
                         <a:t>dragon55@gmail.com</a:t>
                       </a:r>
-                      <a:endParaRPr lang="ko-KR" altLang="en-US" sz="2000" dirty="0"/>
+                      <a:endParaRPr lang="ko-KR" altLang="en-US" sz="1800" dirty="0"/>
                     </a:p>
                   </a:txBody>
                   <a:tcPr anchor="ctr"/>
@@ -12196,42 +12232,58 @@
                 <a:latin typeface="HY울릉도M" panose="02030600000101010101" pitchFamily="18" charset="-127"/>
                 <a:ea typeface="HY울릉도M" panose="02030600000101010101" pitchFamily="18" charset="-127"/>
               </a:rPr>
-              <a:t> 어떠한 열도 후보 키가 없을 </a:t>
+              <a:t> </a:t>
             </a:r>
             <a:r>
               <a:rPr lang="ko-KR" altLang="en-US" sz="2600" dirty="0" smtClean="0">
                 <a:latin typeface="HY울릉도M" panose="02030600000101010101" pitchFamily="18" charset="-127"/>
                 <a:ea typeface="HY울릉도M" panose="02030600000101010101" pitchFamily="18" charset="-127"/>
               </a:rPr>
-              <a:t>때 </a:t>
-            </a:r>
-            <a:r>
-              <a:rPr lang="ko-KR" altLang="en-US" sz="2600" dirty="0">
-                <a:latin typeface="HY울릉도M" panose="02030600000101010101" pitchFamily="18" charset="-127"/>
-                <a:ea typeface="HY울릉도M" panose="02030600000101010101" pitchFamily="18" charset="-127"/>
-              </a:rPr>
-              <a:t>두 개 이상의 열을 복합할 </a:t>
-            </a:r>
+              <a:t>한 행을 유일하게 식별 할 수 있는 속성들의 집합</a:t>
+            </a:r>
+            <a:r>
+              <a:rPr lang="en-US" altLang="ko-KR" sz="2600" dirty="0" smtClean="0">
+                <a:latin typeface="HY울릉도M" panose="02030600000101010101" pitchFamily="18" charset="-127"/>
+                <a:ea typeface="HY울릉도M" panose="02030600000101010101" pitchFamily="18" charset="-127"/>
+              </a:rPr>
+              <a:t>. </a:t>
+            </a:r>
+          </a:p>
+          <a:p>
             <a:r>
               <a:rPr lang="ko-KR" altLang="en-US" sz="2600" dirty="0" smtClean="0">
                 <a:latin typeface="HY울릉도M" panose="02030600000101010101" pitchFamily="18" charset="-127"/>
                 <a:ea typeface="HY울릉도M" panose="02030600000101010101" pitchFamily="18" charset="-127"/>
               </a:rPr>
-              <a:t>경우 유일성을 만족하여 </a:t>
-            </a:r>
-            <a:r>
-              <a:rPr lang="ko-KR" altLang="en-US" sz="2600" dirty="0">
-                <a:latin typeface="HY울릉도M" panose="02030600000101010101" pitchFamily="18" charset="-127"/>
-                <a:ea typeface="HY울릉도M" panose="02030600000101010101" pitchFamily="18" charset="-127"/>
-              </a:rPr>
-              <a:t>후보 키가 </a:t>
+              <a:t>유일성은 </a:t>
             </a:r>
             <a:r>
               <a:rPr lang="ko-KR" altLang="en-US" sz="2600" dirty="0" smtClean="0">
                 <a:latin typeface="HY울릉도M" panose="02030600000101010101" pitchFamily="18" charset="-127"/>
                 <a:ea typeface="HY울릉도M" panose="02030600000101010101" pitchFamily="18" charset="-127"/>
               </a:rPr>
-              <a:t>되는 키</a:t>
+              <a:t>만족하나</a:t>
+            </a:r>
+            <a:r>
+              <a:rPr lang="en-US" altLang="ko-KR" sz="2600" dirty="0" smtClean="0">
+                <a:latin typeface="HY울릉도M" panose="02030600000101010101" pitchFamily="18" charset="-127"/>
+                <a:ea typeface="HY울릉도M" panose="02030600000101010101" pitchFamily="18" charset="-127"/>
+              </a:rPr>
+              <a:t>, </a:t>
+            </a:r>
+            <a:r>
+              <a:rPr lang="ko-KR" altLang="en-US" sz="2600" dirty="0" smtClean="0">
+                <a:latin typeface="HY울릉도M" panose="02030600000101010101" pitchFamily="18" charset="-127"/>
+                <a:ea typeface="HY울릉도M" panose="02030600000101010101" pitchFamily="18" charset="-127"/>
+              </a:rPr>
+              <a:t>최소성은 만족하지 </a:t>
+            </a:r>
+            <a:r>
+              <a:rPr lang="ko-KR" altLang="en-US" sz="2600" dirty="0" smtClean="0">
+                <a:latin typeface="HY울릉도M" panose="02030600000101010101" pitchFamily="18" charset="-127"/>
+                <a:ea typeface="HY울릉도M" panose="02030600000101010101" pitchFamily="18" charset="-127"/>
+              </a:rPr>
+              <a:t>않음</a:t>
             </a:r>
             <a:endParaRPr lang="en-US" altLang="ko-KR" sz="2600" dirty="0" smtClean="0">
               <a:latin typeface="HY울릉도M" panose="02030600000101010101" pitchFamily="18" charset="-127"/>
@@ -12240,26 +12292,58 @@
           </a:p>
           <a:p>
             <a:r>
-              <a:rPr lang="ko-KR" altLang="en-US" sz="2600" dirty="0" smtClean="0">
-                <a:latin typeface="HY울릉도M" panose="02030600000101010101" pitchFamily="18" charset="-127"/>
-                <a:ea typeface="HY울릉도M" panose="02030600000101010101" pitchFamily="18" charset="-127"/>
-              </a:rPr>
-              <a:t>유일성은 만족하나</a:t>
-            </a:r>
-            <a:r>
-              <a:rPr lang="en-US" altLang="ko-KR" sz="2600" dirty="0" smtClean="0">
-                <a:latin typeface="HY울릉도M" panose="02030600000101010101" pitchFamily="18" charset="-127"/>
-                <a:ea typeface="HY울릉도M" panose="02030600000101010101" pitchFamily="18" charset="-127"/>
-              </a:rPr>
-              <a:t>, </a:t>
-            </a:r>
-            <a:r>
-              <a:rPr lang="ko-KR" altLang="en-US" sz="2600" dirty="0" smtClean="0">
-                <a:latin typeface="HY울릉도M" panose="02030600000101010101" pitchFamily="18" charset="-127"/>
-                <a:ea typeface="HY울릉도M" panose="02030600000101010101" pitchFamily="18" charset="-127"/>
-              </a:rPr>
-              <a:t>최소성은 만족하지 않음</a:t>
-            </a:r>
+              <a:rPr lang="ko-KR" altLang="en-US" sz="2600" dirty="0" err="1">
+                <a:latin typeface="HY울릉도M" panose="02030600000101010101" pitchFamily="18" charset="-127"/>
+                <a:ea typeface="HY울릉도M" panose="02030600000101010101" pitchFamily="18" charset="-127"/>
+              </a:rPr>
+              <a:t>슈퍼키</a:t>
+            </a:r>
+            <a:r>
+              <a:rPr lang="ko-KR" altLang="en-US" sz="2600" dirty="0">
+                <a:latin typeface="HY울릉도M" panose="02030600000101010101" pitchFamily="18" charset="-127"/>
+                <a:ea typeface="HY울릉도M" panose="02030600000101010101" pitchFamily="18" charset="-127"/>
+              </a:rPr>
+              <a:t> 중 </a:t>
+            </a:r>
+            <a:r>
+              <a:rPr lang="ko-KR" altLang="en-US" sz="2600" dirty="0" err="1">
+                <a:latin typeface="HY울릉도M" panose="02030600000101010101" pitchFamily="18" charset="-127"/>
+                <a:ea typeface="HY울릉도M" panose="02030600000101010101" pitchFamily="18" charset="-127"/>
+              </a:rPr>
+              <a:t>최소성</a:t>
+            </a:r>
+            <a:r>
+              <a:rPr lang="ko-KR" altLang="en-US" sz="2600" dirty="0">
+                <a:latin typeface="HY울릉도M" panose="02030600000101010101" pitchFamily="18" charset="-127"/>
+                <a:ea typeface="HY울릉도M" panose="02030600000101010101" pitchFamily="18" charset="-127"/>
+              </a:rPr>
+              <a:t> 까지 만족하는 속성을 </a:t>
+            </a:r>
+            <a:r>
+              <a:rPr lang="ko-KR" altLang="en-US" sz="2600" dirty="0" err="1">
+                <a:latin typeface="HY울릉도M" panose="02030600000101010101" pitchFamily="18" charset="-127"/>
+                <a:ea typeface="HY울릉도M" panose="02030600000101010101" pitchFamily="18" charset="-127"/>
+              </a:rPr>
+              <a:t>후보키라</a:t>
+            </a:r>
+            <a:r>
+              <a:rPr lang="ko-KR" altLang="en-US" sz="2600" dirty="0">
+                <a:latin typeface="HY울릉도M" panose="02030600000101010101" pitchFamily="18" charset="-127"/>
+                <a:ea typeface="HY울릉도M" panose="02030600000101010101" pitchFamily="18" charset="-127"/>
+              </a:rPr>
+              <a:t> 한다</a:t>
+            </a:r>
+            <a:r>
+              <a:rPr lang="en-US" altLang="ko-KR" sz="2600" dirty="0">
+                <a:latin typeface="HY울릉도M" panose="02030600000101010101" pitchFamily="18" charset="-127"/>
+                <a:ea typeface="HY울릉도M" panose="02030600000101010101" pitchFamily="18" charset="-127"/>
+              </a:rPr>
+              <a:t>.</a:t>
+            </a:r>
+            <a:endParaRPr lang="ko-KR" altLang="en-US" sz="2600" dirty="0" smtClean="0">
+              <a:latin typeface="HY울릉도M" panose="02030600000101010101" pitchFamily="18" charset="-127"/>
+              <a:ea typeface="HY울릉도M" panose="02030600000101010101" pitchFamily="18" charset="-127"/>
+            </a:endParaRPr>
           </a:p>
         </p:txBody>
       </p:sp>
@@ -12579,63 +12663,56 @@
                 <a:latin typeface="HY울릉도M" panose="02030600000101010101" pitchFamily="18" charset="-127"/>
                 <a:ea typeface="HY울릉도M" panose="02030600000101010101" pitchFamily="18" charset="-127"/>
               </a:rPr>
-              <a:t>(Foreign key) :  </a:t>
+              <a:t>(Foreign key) </a:t>
+            </a:r>
+            <a:r>
+              <a:rPr lang="en-US" altLang="ko-KR" dirty="0" smtClean="0">
+                <a:latin typeface="HY울릉도M" panose="02030600000101010101" pitchFamily="18" charset="-127"/>
+                <a:ea typeface="HY울릉도M" panose="02030600000101010101" pitchFamily="18" charset="-127"/>
+              </a:rPr>
+              <a:t>: </a:t>
             </a:r>
             <a:r>
               <a:rPr lang="ko-KR" altLang="en-US" dirty="0" smtClean="0">
                 <a:latin typeface="HY울릉도M" panose="02030600000101010101" pitchFamily="18" charset="-127"/>
                 <a:ea typeface="HY울릉도M" panose="02030600000101010101" pitchFamily="18" charset="-127"/>
               </a:rPr>
-              <a:t>한 </a:t>
+              <a:t>다른 </a:t>
             </a:r>
             <a:r>
               <a:rPr lang="ko-KR" altLang="en-US" dirty="0" err="1" smtClean="0">
                 <a:latin typeface="HY울릉도M" panose="02030600000101010101" pitchFamily="18" charset="-127"/>
                 <a:ea typeface="HY울릉도M" panose="02030600000101010101" pitchFamily="18" charset="-127"/>
               </a:rPr>
-              <a:t>릴레이션에</a:t>
+              <a:t>릴레이션의</a:t>
             </a:r>
             <a:r>
               <a:rPr lang="ko-KR" altLang="en-US" dirty="0" smtClean="0">
                 <a:latin typeface="HY울릉도M" panose="02030600000101010101" pitchFamily="18" charset="-127"/>
                 <a:ea typeface="HY울릉도M" panose="02030600000101010101" pitchFamily="18" charset="-127"/>
               </a:rPr>
-              <a:t> 속한 속성</a:t>
+              <a:t> </a:t>
+            </a:r>
+            <a:r>
+              <a:rPr lang="ko-KR" altLang="en-US" dirty="0" err="1" smtClean="0">
+                <a:latin typeface="HY울릉도M" panose="02030600000101010101" pitchFamily="18" charset="-127"/>
+                <a:ea typeface="HY울릉도M" panose="02030600000101010101" pitchFamily="18" charset="-127"/>
+              </a:rPr>
+              <a:t>기본키를</a:t>
+            </a:r>
+            <a:r>
+              <a:rPr lang="ko-KR" altLang="en-US" dirty="0" smtClean="0">
+                <a:latin typeface="HY울릉도M" panose="02030600000101010101" pitchFamily="18" charset="-127"/>
+                <a:ea typeface="HY울릉도M" panose="02030600000101010101" pitchFamily="18" charset="-127"/>
+              </a:rPr>
+              <a:t> 참조하는 속성 또는 속성들의 집합</a:t>
             </a:r>
             <a:r>
               <a:rPr lang="en-US" altLang="ko-KR" dirty="0" smtClean="0">
                 <a:latin typeface="HY울릉도M" panose="02030600000101010101" pitchFamily="18" charset="-127"/>
                 <a:ea typeface="HY울릉도M" panose="02030600000101010101" pitchFamily="18" charset="-127"/>
               </a:rPr>
-              <a:t>, </a:t>
-            </a:r>
-            <a:r>
-              <a:rPr lang="ko-KR" altLang="en-US" dirty="0" err="1" smtClean="0">
-                <a:latin typeface="HY울릉도M" panose="02030600000101010101" pitchFamily="18" charset="-127"/>
-                <a:ea typeface="HY울릉도M" panose="02030600000101010101" pitchFamily="18" charset="-127"/>
-              </a:rPr>
-              <a:t>외래키가</a:t>
-            </a:r>
-            <a:r>
-              <a:rPr lang="ko-KR" altLang="en-US" dirty="0" smtClean="0">
-                <a:latin typeface="HY울릉도M" panose="02030600000101010101" pitchFamily="18" charset="-127"/>
-                <a:ea typeface="HY울릉도M" panose="02030600000101010101" pitchFamily="18" charset="-127"/>
-              </a:rPr>
-              <a:t> 다른 </a:t>
-            </a:r>
-            <a:r>
-              <a:rPr lang="ko-KR" altLang="en-US" dirty="0" err="1" smtClean="0">
-                <a:latin typeface="HY울릉도M" panose="02030600000101010101" pitchFamily="18" charset="-127"/>
-                <a:ea typeface="HY울릉도M" panose="02030600000101010101" pitchFamily="18" charset="-127"/>
-              </a:rPr>
-              <a:t>릴레이션의</a:t>
-            </a:r>
-            <a:r>
-              <a:rPr lang="ko-KR" altLang="en-US" dirty="0" smtClean="0">
-                <a:latin typeface="HY울릉도M" panose="02030600000101010101" pitchFamily="18" charset="-127"/>
-                <a:ea typeface="HY울릉도M" panose="02030600000101010101" pitchFamily="18" charset="-127"/>
-              </a:rPr>
-              <a:t> 기본 키 일 때 그 속성 키를 외래 키 라고 함</a:t>
+              <a:t>.</a:t>
             </a:r>
             <a:endParaRPr lang="ko-KR" altLang="en-US" dirty="0">
               <a:latin typeface="HY울릉도M" panose="02030600000101010101" pitchFamily="18" charset="-127"/>
@@ -13439,15 +13516,33 @@
                 <a:latin typeface="HY울릉도M" panose="02030600000101010101" pitchFamily="18" charset="-127"/>
                 <a:ea typeface="HY울릉도M" panose="02030600000101010101" pitchFamily="18" charset="-127"/>
               </a:rPr>
-              <a:t>이 될수 없도록 하는 규정</a:t>
+              <a:t>이 될수 없도록 하는 </a:t>
+            </a:r>
+            <a:r>
+              <a:rPr lang="ko-KR" altLang="en-US" sz="2600" dirty="0" smtClean="0">
+                <a:latin typeface="HY울릉도M" panose="02030600000101010101" pitchFamily="18" charset="-127"/>
+                <a:ea typeface="HY울릉도M" panose="02030600000101010101" pitchFamily="18" charset="-127"/>
+              </a:rPr>
+              <a:t>제약조건</a:t>
             </a:r>
             <a:r>
               <a:rPr lang="en-US" altLang="ko-KR" sz="2600" dirty="0" smtClean="0">
                 <a:latin typeface="HY울릉도M" panose="02030600000101010101" pitchFamily="18" charset="-127"/>
                 <a:ea typeface="HY울릉도M" panose="02030600000101010101" pitchFamily="18" charset="-127"/>
               </a:rPr>
+              <a:t>.</a:t>
+            </a:r>
+            <a:r>
+              <a:rPr lang="en-US" altLang="ko-KR" sz="2600" dirty="0" smtClean="0">
+                <a:latin typeface="HY울릉도M" panose="02030600000101010101" pitchFamily="18" charset="-127"/>
+                <a:ea typeface="HY울릉도M" panose="02030600000101010101" pitchFamily="18" charset="-127"/>
+              </a:rPr>
               <a:t> </a:t>
             </a:r>
+            <a:endParaRPr lang="en-US" altLang="ko-KR" sz="2600" dirty="0" smtClean="0">
+              <a:latin typeface="HY울릉도M" panose="02030600000101010101" pitchFamily="18" charset="-127"/>
+              <a:ea typeface="HY울릉도M" panose="02030600000101010101" pitchFamily="18" charset="-127"/>
+            </a:endParaRPr>
           </a:p>
         </p:txBody>
       </p:sp>
@@ -13458,7 +13553,11 @@
             <a:graphicFrameLocks noGrp="1"/>
           </p:cNvGraphicFramePr>
           <p:nvPr>
-            <p:extLst/>
+            <p:extLst>
+              <p:ext uri="{D42A27DB-BD31-4B8C-83A1-F6EECF244321}">
+                <p14:modId xmlns:p14="http://schemas.microsoft.com/office/powerpoint/2010/main" val="2758504527"/>
+              </p:ext>
+            </p:extLst>
           </p:nvPr>
         </p:nvGraphicFramePr>
         <p:xfrm>
@@ -13624,12 +13723,12 @@
                         </a:lnSpc>
                       </a:pPr>
                       <a:r>
-                        <a:rPr lang="en-US" altLang="ko-KR" sz="1800" dirty="0" smtClean="0">
+                        <a:rPr lang="en-US" altLang="ko-KR" sz="1600" dirty="0" smtClean="0">
                           <a:hlinkClick r:id="rId2"/>
                         </a:rPr>
                         <a:t>Hong@naver.com</a:t>
                       </a:r>
-                      <a:endParaRPr lang="ko-KR" altLang="en-US" sz="1800" dirty="0"/>
+                      <a:endParaRPr lang="ko-KR" altLang="en-US" sz="1600" dirty="0"/>
                     </a:p>
                   </a:txBody>
                   <a:tcPr marL="80938" marR="80938" marT="40469" marB="40469" anchor="ctr"/>
@@ -13723,12 +13822,12 @@
                         </a:lnSpc>
                       </a:pPr>
                       <a:r>
-                        <a:rPr lang="en-US" altLang="ko-KR" sz="1800" dirty="0" smtClean="0">
+                        <a:rPr lang="en-US" altLang="ko-KR" sz="1600" dirty="0" smtClean="0">
                           <a:hlinkClick r:id="rId3"/>
                         </a:rPr>
                         <a:t>lim90@hanmail.net</a:t>
                       </a:r>
-                      <a:endParaRPr lang="ko-KR" altLang="en-US" sz="1800" dirty="0"/>
+                      <a:endParaRPr lang="ko-KR" altLang="en-US" sz="1600" dirty="0"/>
                     </a:p>
                   </a:txBody>
                   <a:tcPr marL="80938" marR="80938" marT="40469" marB="40469" anchor="ctr"/>
@@ -13822,12 +13921,12 @@
                         </a:lnSpc>
                       </a:pPr>
                       <a:r>
-                        <a:rPr lang="en-US" altLang="ko-KR" sz="1800" dirty="0" smtClean="0">
+                        <a:rPr lang="en-US" altLang="ko-KR" sz="1600" dirty="0" smtClean="0">
                           <a:hlinkClick r:id="rId4"/>
                         </a:rPr>
                         <a:t>gogo22@naver.com</a:t>
                       </a:r>
-                      <a:endParaRPr lang="ko-KR" altLang="en-US" sz="1800" dirty="0"/>
+                      <a:endParaRPr lang="ko-KR" altLang="en-US" sz="1600" dirty="0"/>
                     </a:p>
                   </a:txBody>
                   <a:tcPr marL="80938" marR="80938" marT="40469" marB="40469" anchor="ctr"/>
@@ -13921,12 +14020,12 @@
                         </a:lnSpc>
                       </a:pPr>
                       <a:r>
-                        <a:rPr lang="en-US" altLang="ko-KR" sz="1800" dirty="0" smtClean="0">
+                        <a:rPr lang="en-US" altLang="ko-KR" sz="1600" dirty="0" smtClean="0">
                           <a:hlinkClick r:id="rId5"/>
                         </a:rPr>
                         <a:t>huhhuh@sen.go.kr</a:t>
                       </a:r>
-                      <a:endParaRPr lang="ko-KR" altLang="en-US" sz="1800" dirty="0"/>
+                      <a:endParaRPr lang="ko-KR" altLang="en-US" sz="1600" dirty="0"/>
                     </a:p>
                   </a:txBody>
                   <a:tcPr marL="80938" marR="80938" marT="40469" marB="40469" anchor="ctr"/>
@@ -14020,12 +14119,12 @@
                         </a:lnSpc>
                       </a:pPr>
                       <a:r>
-                        <a:rPr lang="en-US" altLang="ko-KR" sz="1800" dirty="0" smtClean="0">
+                        <a:rPr lang="en-US" altLang="ko-KR" sz="1600" dirty="0" smtClean="0">
                           <a:hlinkClick r:id="rId6"/>
                         </a:rPr>
                         <a:t>dragon55@gmail.com</a:t>
                       </a:r>
-                      <a:endParaRPr lang="ko-KR" altLang="en-US" sz="1800" dirty="0"/>
+                      <a:endParaRPr lang="ko-KR" altLang="en-US" sz="1600" dirty="0"/>
                     </a:p>
                   </a:txBody>
                   <a:tcPr marL="80938" marR="80938" marT="40469" marB="40469" anchor="ctr"/>
@@ -14184,19 +14283,13 @@
           </a:bodyPr>
           <a:lstStyle/>
           <a:p>
-            <a:pPr marR="0" lvl="0" algn="l" defTabSz="914400" rtl="0" eaLnBrk="1" fontAlgn="auto" latinLnBrk="1" hangingPunct="1">
+            <a:pPr lvl="0">
               <a:lnSpc>
                 <a:spcPct val="90000"/>
               </a:lnSpc>
               <a:spcBef>
                 <a:spcPts val="1000"/>
               </a:spcBef>
-              <a:spcAft>
-                <a:spcPts val="0"/>
-              </a:spcAft>
-              <a:buClrTx/>
-              <a:buSzTx/>
-              <a:tabLst/>
               <a:defRPr/>
             </a:pPr>
             <a:r>
@@ -14373,7 +14466,21 @@
                 <a:latin typeface="HY울릉도M" panose="02030600000101010101" pitchFamily="18" charset="-127"/>
                 <a:ea typeface="HY울릉도M" panose="02030600000101010101" pitchFamily="18" charset="-127"/>
               </a:rPr>
-              <a:t> 갖는 값들이 서로 달라야 한다는 규정</a:t>
+              <a:t> 갖는 값들이 서로 달라야 한다는 </a:t>
+            </a:r>
+            <a:r>
+              <a:rPr lang="ko-KR" altLang="en-US" sz="2600" dirty="0">
+                <a:latin typeface="HY울릉도M" panose="02030600000101010101" pitchFamily="18" charset="-127"/>
+                <a:ea typeface="HY울릉도M" panose="02030600000101010101" pitchFamily="18" charset="-127"/>
+              </a:rPr>
+              <a:t>제약조건</a:t>
+            </a:r>
+            <a:r>
+              <a:rPr lang="en-US" altLang="ko-KR" sz="2600" dirty="0">
+                <a:latin typeface="HY울릉도M" panose="02030600000101010101" pitchFamily="18" charset="-127"/>
+                <a:ea typeface="HY울릉도M" panose="02030600000101010101" pitchFamily="18" charset="-127"/>
+              </a:rPr>
+              <a:t>.</a:t>
             </a:r>
             <a:endParaRPr kumimoji="0" lang="en-US" altLang="ko-KR" sz="2600" b="0" i="0" u="none" strike="noStrike" kern="1200" cap="none" spc="0" normalizeH="0" baseline="0" noProof="0" dirty="0" smtClean="0">
               <a:ln>
@@ -14398,7 +14505,11 @@
             <a:graphicFrameLocks noGrp="1"/>
           </p:cNvGraphicFramePr>
           <p:nvPr>
-            <p:extLst/>
+            <p:extLst>
+              <p:ext uri="{D42A27DB-BD31-4B8C-83A1-F6EECF244321}">
+                <p14:modId xmlns:p14="http://schemas.microsoft.com/office/powerpoint/2010/main" val="4144941956"/>
+              </p:ext>
+            </p:extLst>
           </p:nvPr>
         </p:nvGraphicFramePr>
         <p:xfrm>
@@ -14564,12 +14675,12 @@
                         </a:lnSpc>
                       </a:pPr>
                       <a:r>
-                        <a:rPr lang="en-US" altLang="ko-KR" sz="1800" dirty="0" smtClean="0">
+                        <a:rPr lang="en-US" altLang="ko-KR" sz="1600" dirty="0" smtClean="0">
                           <a:hlinkClick r:id="rId2"/>
                         </a:rPr>
                         <a:t>Hong@naver.com</a:t>
                       </a:r>
-                      <a:endParaRPr lang="ko-KR" altLang="en-US" sz="1800" dirty="0"/>
+                      <a:endParaRPr lang="ko-KR" altLang="en-US" sz="1600" dirty="0"/>
                     </a:p>
                   </a:txBody>
                   <a:tcPr marL="80938" marR="80938" marT="40469" marB="40469" anchor="ctr"/>
@@ -14663,12 +14774,12 @@
                         </a:lnSpc>
                       </a:pPr>
                       <a:r>
-                        <a:rPr lang="en-US" altLang="ko-KR" sz="1800" dirty="0" smtClean="0">
+                        <a:rPr lang="en-US" altLang="ko-KR" sz="1600" dirty="0" smtClean="0">
                           <a:hlinkClick r:id="rId3"/>
                         </a:rPr>
                         <a:t>lim90@hanmail.net</a:t>
                       </a:r>
-                      <a:endParaRPr lang="ko-KR" altLang="en-US" sz="1800" dirty="0"/>
+                      <a:endParaRPr lang="ko-KR" altLang="en-US" sz="1600" dirty="0"/>
                     </a:p>
                   </a:txBody>
                   <a:tcPr marL="80938" marR="80938" marT="40469" marB="40469" anchor="ctr"/>
@@ -14762,12 +14873,12 @@
                         </a:lnSpc>
                       </a:pPr>
                       <a:r>
-                        <a:rPr lang="en-US" altLang="ko-KR" sz="1800" dirty="0" smtClean="0">
+                        <a:rPr lang="en-US" altLang="ko-KR" sz="1600" dirty="0" smtClean="0">
                           <a:hlinkClick r:id="rId4"/>
                         </a:rPr>
                         <a:t>gogo22@naver.com</a:t>
                       </a:r>
-                      <a:endParaRPr lang="ko-KR" altLang="en-US" sz="1800" dirty="0"/>
+                      <a:endParaRPr lang="ko-KR" altLang="en-US" sz="1600" dirty="0"/>
                     </a:p>
                   </a:txBody>
                   <a:tcPr marL="80938" marR="80938" marT="40469" marB="40469" anchor="ctr"/>
@@ -14861,12 +14972,12 @@
                         </a:lnSpc>
                       </a:pPr>
                       <a:r>
-                        <a:rPr lang="en-US" altLang="ko-KR" sz="1800" dirty="0" smtClean="0">
+                        <a:rPr lang="en-US" altLang="ko-KR" sz="1600" dirty="0" smtClean="0">
                           <a:hlinkClick r:id="rId5"/>
                         </a:rPr>
                         <a:t>huhhuh@sen.go.kr</a:t>
                       </a:r>
-                      <a:endParaRPr lang="ko-KR" altLang="en-US" sz="1800" dirty="0"/>
+                      <a:endParaRPr lang="ko-KR" altLang="en-US" sz="1600" dirty="0"/>
                     </a:p>
                   </a:txBody>
                   <a:tcPr marL="80938" marR="80938" marT="40469" marB="40469" anchor="ctr"/>
@@ -14960,12 +15071,12 @@
                         </a:lnSpc>
                       </a:pPr>
                       <a:r>
-                        <a:rPr lang="en-US" altLang="ko-KR" sz="1800" dirty="0" smtClean="0">
+                        <a:rPr lang="en-US" altLang="ko-KR" sz="1600" dirty="0" smtClean="0">
                           <a:hlinkClick r:id="rId6"/>
                         </a:rPr>
                         <a:t>dragon55@gmail.com</a:t>
                       </a:r>
-                      <a:endParaRPr lang="ko-KR" altLang="en-US" sz="1800" dirty="0"/>
+                      <a:endParaRPr lang="ko-KR" altLang="en-US" sz="1600" dirty="0"/>
                     </a:p>
                   </a:txBody>
                   <a:tcPr marL="80938" marR="80938" marT="40469" marB="40469" anchor="ctr"/>
@@ -15124,19 +15235,13 @@
           </a:bodyPr>
           <a:lstStyle/>
           <a:p>
-            <a:pPr marR="0" lvl="0" algn="l" defTabSz="914400" rtl="0" eaLnBrk="1" fontAlgn="auto" latinLnBrk="1" hangingPunct="1">
+            <a:pPr lvl="0">
               <a:lnSpc>
                 <a:spcPct val="90000"/>
               </a:lnSpc>
               <a:spcBef>
                 <a:spcPts val="1000"/>
               </a:spcBef>
-              <a:spcAft>
-                <a:spcPts val="0"/>
-              </a:spcAft>
-              <a:buClrTx/>
-              <a:buSzTx/>
-              <a:tabLst/>
               <a:defRPr/>
             </a:pPr>
             <a:r>
@@ -15231,7 +15336,21 @@
                 <a:latin typeface="HY울릉도M" panose="02030600000101010101" pitchFamily="18" charset="-127"/>
                 <a:ea typeface="HY울릉도M" panose="02030600000101010101" pitchFamily="18" charset="-127"/>
               </a:rPr>
-              <a:t> 속한 값이어야 한다는 규정</a:t>
+              <a:t> 속한 값이어야 한다는 </a:t>
+            </a:r>
+            <a:r>
+              <a:rPr lang="ko-KR" altLang="en-US" sz="2600" dirty="0">
+                <a:latin typeface="HY울릉도M" panose="02030600000101010101" pitchFamily="18" charset="-127"/>
+                <a:ea typeface="HY울릉도M" panose="02030600000101010101" pitchFamily="18" charset="-127"/>
+              </a:rPr>
+              <a:t>제약조건</a:t>
+            </a:r>
+            <a:r>
+              <a:rPr lang="en-US" altLang="ko-KR" sz="2600" dirty="0">
+                <a:latin typeface="HY울릉도M" panose="02030600000101010101" pitchFamily="18" charset="-127"/>
+                <a:ea typeface="HY울릉도M" panose="02030600000101010101" pitchFamily="18" charset="-127"/>
+              </a:rPr>
+              <a:t>.</a:t>
             </a:r>
             <a:endParaRPr kumimoji="0" lang="en-US" altLang="ko-KR" sz="2600" b="0" i="0" u="none" strike="noStrike" kern="1200" cap="none" spc="0" normalizeH="0" baseline="0" noProof="0" dirty="0" smtClean="0">
               <a:ln>
@@ -15256,7 +15375,11 @@
             <a:graphicFrameLocks noGrp="1"/>
           </p:cNvGraphicFramePr>
           <p:nvPr>
-            <p:extLst/>
+            <p:extLst>
+              <p:ext uri="{D42A27DB-BD31-4B8C-83A1-F6EECF244321}">
+                <p14:modId xmlns:p14="http://schemas.microsoft.com/office/powerpoint/2010/main" val="4290262075"/>
+              </p:ext>
+            </p:extLst>
           </p:nvPr>
         </p:nvGraphicFramePr>
         <p:xfrm>
@@ -15422,12 +15545,12 @@
                         </a:lnSpc>
                       </a:pPr>
                       <a:r>
-                        <a:rPr lang="en-US" altLang="ko-KR" sz="1800" dirty="0" smtClean="0">
+                        <a:rPr lang="en-US" altLang="ko-KR" sz="1600" dirty="0" smtClean="0">
                           <a:hlinkClick r:id="rId2"/>
                         </a:rPr>
                         <a:t>Hong@naver.com</a:t>
                       </a:r>
-                      <a:endParaRPr lang="ko-KR" altLang="en-US" sz="1800" dirty="0"/>
+                      <a:endParaRPr lang="ko-KR" altLang="en-US" sz="1600" dirty="0"/>
                     </a:p>
                   </a:txBody>
                   <a:tcPr marL="80938" marR="80938" marT="40469" marB="40469" anchor="ctr"/>
@@ -15521,12 +15644,12 @@
                         </a:lnSpc>
                       </a:pPr>
                       <a:r>
-                        <a:rPr lang="en-US" altLang="ko-KR" sz="1800" dirty="0" smtClean="0">
+                        <a:rPr lang="en-US" altLang="ko-KR" sz="1600" dirty="0" smtClean="0">
                           <a:hlinkClick r:id="rId3"/>
                         </a:rPr>
                         <a:t>lim90@hanmail.net</a:t>
                       </a:r>
-                      <a:endParaRPr lang="ko-KR" altLang="en-US" sz="1800" dirty="0"/>
+                      <a:endParaRPr lang="ko-KR" altLang="en-US" sz="1600" dirty="0"/>
                     </a:p>
                   </a:txBody>
                   <a:tcPr marL="80938" marR="80938" marT="40469" marB="40469" anchor="ctr"/>
@@ -15620,12 +15743,12 @@
                         </a:lnSpc>
                       </a:pPr>
                       <a:r>
-                        <a:rPr lang="en-US" altLang="ko-KR" sz="1800" dirty="0" smtClean="0">
+                        <a:rPr lang="en-US" altLang="ko-KR" sz="1600" dirty="0" smtClean="0">
                           <a:hlinkClick r:id="rId4"/>
                         </a:rPr>
                         <a:t>gogo22@naver.com</a:t>
                       </a:r>
-                      <a:endParaRPr lang="ko-KR" altLang="en-US" sz="1800" dirty="0"/>
+                      <a:endParaRPr lang="ko-KR" altLang="en-US" sz="1600" dirty="0"/>
                     </a:p>
                   </a:txBody>
                   <a:tcPr marL="80938" marR="80938" marT="40469" marB="40469" anchor="ctr"/>
@@ -15719,12 +15842,12 @@
                         </a:lnSpc>
                       </a:pPr>
                       <a:r>
-                        <a:rPr lang="en-US" altLang="ko-KR" sz="1800" dirty="0" smtClean="0">
+                        <a:rPr lang="en-US" altLang="ko-KR" sz="1600" dirty="0" smtClean="0">
                           <a:hlinkClick r:id="rId5"/>
                         </a:rPr>
                         <a:t>huhhuh@sen.go.kr</a:t>
                       </a:r>
-                      <a:endParaRPr lang="ko-KR" altLang="en-US" sz="1800" dirty="0"/>
+                      <a:endParaRPr lang="ko-KR" altLang="en-US" sz="1600" dirty="0"/>
                     </a:p>
                   </a:txBody>
                   <a:tcPr marL="80938" marR="80938" marT="40469" marB="40469" anchor="ctr"/>
@@ -15818,12 +15941,12 @@
                         </a:lnSpc>
                       </a:pPr>
                       <a:r>
-                        <a:rPr lang="en-US" altLang="ko-KR" sz="1800" dirty="0" smtClean="0">
+                        <a:rPr lang="en-US" altLang="ko-KR" sz="1600" dirty="0" smtClean="0">
                           <a:hlinkClick r:id="rId6"/>
                         </a:rPr>
                         <a:t>dragon55@gmail.com</a:t>
                       </a:r>
-                      <a:endParaRPr lang="ko-KR" altLang="en-US" sz="1800" dirty="0"/>
+                      <a:endParaRPr lang="ko-KR" altLang="en-US" sz="1600" dirty="0"/>
                     </a:p>
                   </a:txBody>
                   <a:tcPr marL="80938" marR="80938" marT="40469" marB="40469" anchor="ctr"/>
@@ -15982,19 +16105,13 @@
           </a:bodyPr>
           <a:lstStyle/>
           <a:p>
-            <a:pPr marR="0" lvl="0" algn="l" defTabSz="914400" rtl="0" eaLnBrk="1" fontAlgn="auto" latinLnBrk="1" hangingPunct="1">
+            <a:pPr lvl="0">
               <a:lnSpc>
                 <a:spcPct val="90000"/>
               </a:lnSpc>
               <a:spcBef>
                 <a:spcPts val="1000"/>
               </a:spcBef>
-              <a:spcAft>
-                <a:spcPts val="0"/>
-              </a:spcAft>
-              <a:buClrTx/>
-              <a:buSzTx/>
-              <a:tabLst/>
               <a:defRPr/>
             </a:pPr>
             <a:r>
@@ -16087,7 +16204,21 @@
                 <a:latin typeface="HY울릉도M" panose="02030600000101010101" pitchFamily="18" charset="-127"/>
                 <a:ea typeface="HY울릉도M" panose="02030600000101010101" pitchFamily="18" charset="-127"/>
               </a:rPr>
-              <a:t>하나의 테이블에는 적어도 하나의 키가 존재해야 한다는 규정</a:t>
+              <a:t>하나의 테이블에는 적어도 하나의 키가 존재해야 한다는 </a:t>
+            </a:r>
+            <a:r>
+              <a:rPr lang="ko-KR" altLang="en-US" sz="2600" dirty="0">
+                <a:latin typeface="HY울릉도M" panose="02030600000101010101" pitchFamily="18" charset="-127"/>
+                <a:ea typeface="HY울릉도M" panose="02030600000101010101" pitchFamily="18" charset="-127"/>
+              </a:rPr>
+              <a:t>제약조건</a:t>
+            </a:r>
+            <a:r>
+              <a:rPr lang="en-US" altLang="ko-KR" sz="2600" dirty="0">
+                <a:latin typeface="HY울릉도M" panose="02030600000101010101" pitchFamily="18" charset="-127"/>
+                <a:ea typeface="HY울릉도M" panose="02030600000101010101" pitchFamily="18" charset="-127"/>
+              </a:rPr>
+              <a:t>.</a:t>
             </a:r>
             <a:endParaRPr kumimoji="0" lang="en-US" altLang="ko-KR" sz="2600" b="0" i="0" u="none" strike="noStrike" kern="1200" cap="none" spc="0" normalizeH="0" baseline="0" noProof="0" dirty="0" smtClean="0">
               <a:ln>
@@ -16112,7 +16243,11 @@
             <a:graphicFrameLocks noGrp="1"/>
           </p:cNvGraphicFramePr>
           <p:nvPr>
-            <p:extLst/>
+            <p:extLst>
+              <p:ext uri="{D42A27DB-BD31-4B8C-83A1-F6EECF244321}">
+                <p14:modId xmlns:p14="http://schemas.microsoft.com/office/powerpoint/2010/main" val="1257810181"/>
+              </p:ext>
+            </p:extLst>
           </p:nvPr>
         </p:nvGraphicFramePr>
         <p:xfrm>
@@ -16278,12 +16413,12 @@
                         </a:lnSpc>
                       </a:pPr>
                       <a:r>
-                        <a:rPr lang="en-US" altLang="ko-KR" sz="1800" dirty="0" smtClean="0">
+                        <a:rPr lang="en-US" altLang="ko-KR" sz="1600" dirty="0" smtClean="0">
                           <a:hlinkClick r:id="rId2"/>
                         </a:rPr>
                         <a:t>Hong@naver.com</a:t>
                       </a:r>
-                      <a:endParaRPr lang="ko-KR" altLang="en-US" sz="1800" dirty="0"/>
+                      <a:endParaRPr lang="ko-KR" altLang="en-US" sz="1600" dirty="0"/>
                     </a:p>
                   </a:txBody>
                   <a:tcPr marL="80938" marR="80938" marT="40469" marB="40469" anchor="ctr"/>
@@ -16377,12 +16512,12 @@
                         </a:lnSpc>
                       </a:pPr>
                       <a:r>
-                        <a:rPr lang="en-US" altLang="ko-KR" sz="1800" dirty="0" smtClean="0">
+                        <a:rPr lang="en-US" altLang="ko-KR" sz="1600" dirty="0" smtClean="0">
                           <a:hlinkClick r:id="rId3"/>
                         </a:rPr>
                         <a:t>lim90@hanmail.net</a:t>
                       </a:r>
-                      <a:endParaRPr lang="ko-KR" altLang="en-US" sz="1800" dirty="0"/>
+                      <a:endParaRPr lang="ko-KR" altLang="en-US" sz="1600" dirty="0"/>
                     </a:p>
                   </a:txBody>
                   <a:tcPr marL="80938" marR="80938" marT="40469" marB="40469" anchor="ctr"/>
@@ -16476,12 +16611,12 @@
                         </a:lnSpc>
                       </a:pPr>
                       <a:r>
-                        <a:rPr lang="en-US" altLang="ko-KR" sz="1800" dirty="0" smtClean="0">
+                        <a:rPr lang="en-US" altLang="ko-KR" sz="1600" dirty="0" smtClean="0">
                           <a:hlinkClick r:id="rId4"/>
                         </a:rPr>
                         <a:t>gogo22@naver.com</a:t>
                       </a:r>
-                      <a:endParaRPr lang="ko-KR" altLang="en-US" sz="1800" dirty="0"/>
+                      <a:endParaRPr lang="ko-KR" altLang="en-US" sz="1600" dirty="0"/>
                     </a:p>
                   </a:txBody>
                   <a:tcPr marL="80938" marR="80938" marT="40469" marB="40469" anchor="ctr"/>
@@ -16575,12 +16710,12 @@
                         </a:lnSpc>
                       </a:pPr>
                       <a:r>
-                        <a:rPr lang="en-US" altLang="ko-KR" sz="1800" dirty="0" smtClean="0">
+                        <a:rPr lang="en-US" altLang="ko-KR" sz="1600" dirty="0" smtClean="0">
                           <a:hlinkClick r:id="rId5"/>
                         </a:rPr>
                         <a:t>huhhuh@sen.go.kr</a:t>
                       </a:r>
-                      <a:endParaRPr lang="ko-KR" altLang="en-US" sz="1800" dirty="0"/>
+                      <a:endParaRPr lang="ko-KR" altLang="en-US" sz="1600" dirty="0"/>
                     </a:p>
                   </a:txBody>
                   <a:tcPr marL="80938" marR="80938" marT="40469" marB="40469" anchor="ctr"/>
@@ -16674,12 +16809,12 @@
                         </a:lnSpc>
                       </a:pPr>
                       <a:r>
-                        <a:rPr lang="en-US" altLang="ko-KR" sz="1800" dirty="0" smtClean="0">
+                        <a:rPr lang="en-US" altLang="ko-KR" sz="1600" dirty="0" smtClean="0">
                           <a:hlinkClick r:id="rId6"/>
                         </a:rPr>
                         <a:t>dragon55@gmail.com</a:t>
                       </a:r>
-                      <a:endParaRPr lang="ko-KR" altLang="en-US" sz="1800" dirty="0"/>
+                      <a:endParaRPr lang="ko-KR" altLang="en-US" sz="1600" dirty="0"/>
                     </a:p>
                   </a:txBody>
                   <a:tcPr marL="80938" marR="80938" marT="40469" marB="40469" anchor="ctr"/>
@@ -16838,19 +16973,13 @@
           </a:bodyPr>
           <a:lstStyle/>
           <a:p>
-            <a:pPr marR="0" lvl="0" algn="l" defTabSz="914400" rtl="0" eaLnBrk="1" fontAlgn="auto" latinLnBrk="1" hangingPunct="1">
+            <a:pPr lvl="0">
               <a:lnSpc>
                 <a:spcPct val="90000"/>
               </a:lnSpc>
               <a:spcBef>
                 <a:spcPts val="1000"/>
               </a:spcBef>
-              <a:spcAft>
-                <a:spcPts val="0"/>
-              </a:spcAft>
-              <a:buClrTx/>
-              <a:buSzTx/>
-              <a:tabLst/>
               <a:defRPr/>
             </a:pPr>
             <a:r>
@@ -17094,7 +17223,21 @@
                 <a:latin typeface="HY울릉도M" panose="02030600000101010101" pitchFamily="18" charset="-127"/>
                 <a:ea typeface="HY울릉도M" panose="02030600000101010101" pitchFamily="18" charset="-127"/>
               </a:rPr>
-              <a:t>대한 적절성 여부를 지정한 규정</a:t>
+              <a:t>대한 적절성 여부를 지정한 </a:t>
+            </a:r>
+            <a:r>
+              <a:rPr lang="ko-KR" altLang="en-US" sz="2600" dirty="0">
+                <a:latin typeface="HY울릉도M" panose="02030600000101010101" pitchFamily="18" charset="-127"/>
+                <a:ea typeface="HY울릉도M" panose="02030600000101010101" pitchFamily="18" charset="-127"/>
+              </a:rPr>
+              <a:t>제약조건</a:t>
+            </a:r>
+            <a:r>
+              <a:rPr lang="en-US" altLang="ko-KR" sz="2600" dirty="0">
+                <a:latin typeface="HY울릉도M" panose="02030600000101010101" pitchFamily="18" charset="-127"/>
+                <a:ea typeface="HY울릉도M" panose="02030600000101010101" pitchFamily="18" charset="-127"/>
+              </a:rPr>
+              <a:t>.</a:t>
             </a:r>
             <a:endParaRPr kumimoji="0" lang="en-US" altLang="ko-KR" sz="2600" b="0" i="0" u="none" strike="noStrike" kern="1200" cap="none" spc="0" normalizeH="0" baseline="0" noProof="0" dirty="0" smtClean="0">
               <a:ln>
@@ -18287,7 +18430,11 @@
             <a:graphicFrameLocks noGrp="1"/>
           </p:cNvGraphicFramePr>
           <p:nvPr>
-            <p:extLst/>
+            <p:extLst>
+              <p:ext uri="{D42A27DB-BD31-4B8C-83A1-F6EECF244321}">
+                <p14:modId xmlns:p14="http://schemas.microsoft.com/office/powerpoint/2010/main" val="614187946"/>
+              </p:ext>
+            </p:extLst>
           </p:nvPr>
         </p:nvGraphicFramePr>
         <p:xfrm>
@@ -18453,12 +18600,12 @@
                         </a:lnSpc>
                       </a:pPr>
                       <a:r>
-                        <a:rPr lang="en-US" altLang="ko-KR" sz="1800" dirty="0" smtClean="0">
+                        <a:rPr lang="en-US" altLang="ko-KR" sz="1600" dirty="0" smtClean="0">
                           <a:hlinkClick r:id="rId2"/>
                         </a:rPr>
                         <a:t>Hong@naver.com</a:t>
                       </a:r>
-                      <a:endParaRPr lang="ko-KR" altLang="en-US" sz="1800" dirty="0"/>
+                      <a:endParaRPr lang="ko-KR" altLang="en-US" sz="1600" dirty="0"/>
                     </a:p>
                   </a:txBody>
                   <a:tcPr marL="80938" marR="80938" marT="40469" marB="40469" anchor="ctr"/>
@@ -18552,12 +18699,12 @@
                         </a:lnSpc>
                       </a:pPr>
                       <a:r>
-                        <a:rPr lang="en-US" altLang="ko-KR" sz="1800" dirty="0" smtClean="0">
+                        <a:rPr lang="en-US" altLang="ko-KR" sz="1600" dirty="0" smtClean="0">
                           <a:hlinkClick r:id="rId3"/>
                         </a:rPr>
                         <a:t>lim90@hanmail.net</a:t>
                       </a:r>
-                      <a:endParaRPr lang="ko-KR" altLang="en-US" sz="1800" dirty="0"/>
+                      <a:endParaRPr lang="ko-KR" altLang="en-US" sz="1600" dirty="0"/>
                     </a:p>
                   </a:txBody>
                   <a:tcPr marL="80938" marR="80938" marT="40469" marB="40469" anchor="ctr"/>
@@ -18651,12 +18798,12 @@
                         </a:lnSpc>
                       </a:pPr>
                       <a:r>
-                        <a:rPr lang="en-US" altLang="ko-KR" sz="1800" dirty="0" smtClean="0">
+                        <a:rPr lang="en-US" altLang="ko-KR" sz="1600" dirty="0" smtClean="0">
                           <a:hlinkClick r:id="rId4"/>
                         </a:rPr>
                         <a:t>gogo22@naver.com</a:t>
                       </a:r>
-                      <a:endParaRPr lang="ko-KR" altLang="en-US" sz="1800" dirty="0"/>
+                      <a:endParaRPr lang="ko-KR" altLang="en-US" sz="1600" dirty="0"/>
                     </a:p>
                   </a:txBody>
                   <a:tcPr marL="80938" marR="80938" marT="40469" marB="40469" anchor="ctr"/>
@@ -18750,12 +18897,12 @@
                         </a:lnSpc>
                       </a:pPr>
                       <a:r>
-                        <a:rPr lang="en-US" altLang="ko-KR" sz="1800" dirty="0" smtClean="0">
+                        <a:rPr lang="en-US" altLang="ko-KR" sz="1600" dirty="0" smtClean="0">
                           <a:hlinkClick r:id="rId5"/>
                         </a:rPr>
                         <a:t>huhhuh@sen.go.kr</a:t>
                       </a:r>
-                      <a:endParaRPr lang="ko-KR" altLang="en-US" sz="1800" dirty="0"/>
+                      <a:endParaRPr lang="ko-KR" altLang="en-US" sz="1600" dirty="0"/>
                     </a:p>
                   </a:txBody>
                   <a:tcPr marL="80938" marR="80938" marT="40469" marB="40469" anchor="ctr"/>
@@ -18849,12 +18996,12 @@
                         </a:lnSpc>
                       </a:pPr>
                       <a:r>
-                        <a:rPr lang="en-US" altLang="ko-KR" sz="1800" dirty="0" smtClean="0">
+                        <a:rPr lang="en-US" altLang="ko-KR" sz="1600" dirty="0" smtClean="0">
                           <a:hlinkClick r:id="rId6"/>
                         </a:rPr>
                         <a:t>dragon55@gmail.com</a:t>
                       </a:r>
-                      <a:endParaRPr lang="ko-KR" altLang="en-US" sz="1800" dirty="0"/>
+                      <a:endParaRPr lang="ko-KR" altLang="en-US" sz="1600" dirty="0"/>
                     </a:p>
                   </a:txBody>
                   <a:tcPr marL="80938" marR="80938" marT="40469" marB="40469" anchor="ctr"/>
